--- a/Docs/chopp com biometria.pptx
+++ b/Docs/chopp com biometria.pptx
@@ -123,10 +123,6 @@
 </p:presentation>
 </file>
 
-<file path=ppt/revisionInfo.xml><?xml version="1.0" encoding="utf-8"?>
-<p1510:revInfo xmlns:a="http://schemas.openxmlformats.org/drawingml/2006/main" xmlns:r="http://schemas.openxmlformats.org/officeDocument/2006/relationships" xmlns:p1510="http://schemas.microsoft.com/office/powerpoint/2015/10/main"/>
-</file>
-
 <file path=ppt/slideLayouts/slideLayout1.xml><?xml version="1.0" encoding="utf-8"?>
 <p:sldLayout xmlns:a="http://schemas.openxmlformats.org/drawingml/2006/main" xmlns:r="http://schemas.openxmlformats.org/officeDocument/2006/relationships" xmlns:p="http://schemas.openxmlformats.org/presentationml/2006/main" type="title" preserve="1">
   <p:cSld name="Slide de Título">
@@ -276,7 +272,7 @@
           <a:p>
             <a:fld id="{8E1724EB-D89E-47B0-999B-49442F041DBA}" type="datetimeFigureOut">
               <a:rPr lang="en-US" smtClean="0"/>
-              <a:t>10/6/2017</a:t>
+              <a:t>4/10/2018</a:t>
             </a:fld>
             <a:endParaRPr lang="en-US"/>
           </a:p>
@@ -476,7 +472,7 @@
           <a:p>
             <a:fld id="{8E1724EB-D89E-47B0-999B-49442F041DBA}" type="datetimeFigureOut">
               <a:rPr lang="en-US" smtClean="0"/>
-              <a:t>10/6/2017</a:t>
+              <a:t>4/10/2018</a:t>
             </a:fld>
             <a:endParaRPr lang="en-US"/>
           </a:p>
@@ -686,7 +682,7 @@
           <a:p>
             <a:fld id="{8E1724EB-D89E-47B0-999B-49442F041DBA}" type="datetimeFigureOut">
               <a:rPr lang="en-US" smtClean="0"/>
-              <a:t>10/6/2017</a:t>
+              <a:t>4/10/2018</a:t>
             </a:fld>
             <a:endParaRPr lang="en-US"/>
           </a:p>
@@ -886,7 +882,7 @@
           <a:p>
             <a:fld id="{8E1724EB-D89E-47B0-999B-49442F041DBA}" type="datetimeFigureOut">
               <a:rPr lang="en-US" smtClean="0"/>
-              <a:t>10/6/2017</a:t>
+              <a:t>4/10/2018</a:t>
             </a:fld>
             <a:endParaRPr lang="en-US"/>
           </a:p>
@@ -1162,7 +1158,7 @@
           <a:p>
             <a:fld id="{8E1724EB-D89E-47B0-999B-49442F041DBA}" type="datetimeFigureOut">
               <a:rPr lang="en-US" smtClean="0"/>
-              <a:t>10/6/2017</a:t>
+              <a:t>4/10/2018</a:t>
             </a:fld>
             <a:endParaRPr lang="en-US"/>
           </a:p>
@@ -1430,7 +1426,7 @@
           <a:p>
             <a:fld id="{8E1724EB-D89E-47B0-999B-49442F041DBA}" type="datetimeFigureOut">
               <a:rPr lang="en-US" smtClean="0"/>
-              <a:t>10/6/2017</a:t>
+              <a:t>4/10/2018</a:t>
             </a:fld>
             <a:endParaRPr lang="en-US"/>
           </a:p>
@@ -1845,7 +1841,7 @@
           <a:p>
             <a:fld id="{8E1724EB-D89E-47B0-999B-49442F041DBA}" type="datetimeFigureOut">
               <a:rPr lang="en-US" smtClean="0"/>
-              <a:t>10/6/2017</a:t>
+              <a:t>4/10/2018</a:t>
             </a:fld>
             <a:endParaRPr lang="en-US"/>
           </a:p>
@@ -1987,7 +1983,7 @@
           <a:p>
             <a:fld id="{8E1724EB-D89E-47B0-999B-49442F041DBA}" type="datetimeFigureOut">
               <a:rPr lang="en-US" smtClean="0"/>
-              <a:t>10/6/2017</a:t>
+              <a:t>4/10/2018</a:t>
             </a:fld>
             <a:endParaRPr lang="en-US"/>
           </a:p>
@@ -2100,7 +2096,7 @@
           <a:p>
             <a:fld id="{8E1724EB-D89E-47B0-999B-49442F041DBA}" type="datetimeFigureOut">
               <a:rPr lang="en-US" smtClean="0"/>
-              <a:t>10/6/2017</a:t>
+              <a:t>4/10/2018</a:t>
             </a:fld>
             <a:endParaRPr lang="en-US"/>
           </a:p>
@@ -2413,7 +2409,7 @@
           <a:p>
             <a:fld id="{8E1724EB-D89E-47B0-999B-49442F041DBA}" type="datetimeFigureOut">
               <a:rPr lang="en-US" smtClean="0"/>
-              <a:t>10/6/2017</a:t>
+              <a:t>4/10/2018</a:t>
             </a:fld>
             <a:endParaRPr lang="en-US"/>
           </a:p>
@@ -2702,7 +2698,7 @@
           <a:p>
             <a:fld id="{8E1724EB-D89E-47B0-999B-49442F041DBA}" type="datetimeFigureOut">
               <a:rPr lang="en-US" smtClean="0"/>
-              <a:t>10/6/2017</a:t>
+              <a:t>4/10/2018</a:t>
             </a:fld>
             <a:endParaRPr lang="en-US"/>
           </a:p>
@@ -2945,7 +2941,7 @@
           <a:p>
             <a:fld id="{8E1724EB-D89E-47B0-999B-49442F041DBA}" type="datetimeFigureOut">
               <a:rPr lang="en-US" smtClean="0"/>
-              <a:t>10/6/2017</a:t>
+              <a:t>4/10/2018</a:t>
             </a:fld>
             <a:endParaRPr lang="en-US"/>
           </a:p>
@@ -7692,7 +7688,7 @@
         </p:nvSpPr>
         <p:spPr>
           <a:xfrm>
-            <a:off x="4887131" y="363890"/>
+            <a:off x="5614019" y="327304"/>
             <a:ext cx="3056851" cy="307777"/>
           </a:xfrm>
           <a:prstGeom prst="rect">
@@ -7755,7 +7751,7 @@
         </p:nvSpPr>
         <p:spPr>
           <a:xfrm>
-            <a:off x="5212436" y="1606963"/>
+            <a:off x="5212436" y="693283"/>
             <a:ext cx="1085810" cy="587828"/>
           </a:xfrm>
           <a:prstGeom prst="rect">
@@ -7811,7 +7807,7 @@
         </p:nvSpPr>
         <p:spPr>
           <a:xfrm>
-            <a:off x="6726813" y="1608431"/>
+            <a:off x="6726813" y="694751"/>
             <a:ext cx="1085810" cy="587828"/>
           </a:xfrm>
           <a:prstGeom prst="rect">
@@ -7872,7 +7868,7 @@
         </p:nvSpPr>
         <p:spPr>
           <a:xfrm>
-            <a:off x="4887131" y="702444"/>
+            <a:off x="5217154" y="1542335"/>
             <a:ext cx="1755673" cy="461665"/>
           </a:xfrm>
           <a:prstGeom prst="rect">
@@ -8040,7 +8036,7 @@
         </p:nvSpPr>
         <p:spPr>
           <a:xfrm>
-            <a:off x="6637597" y="661339"/>
+            <a:off x="6967620" y="1501230"/>
             <a:ext cx="925253" cy="338554"/>
           </a:xfrm>
           <a:prstGeom prst="rect">
@@ -8075,7 +8071,7 @@
         </p:nvSpPr>
         <p:spPr>
           <a:xfrm>
-            <a:off x="4859338" y="1051839"/>
+            <a:off x="5189361" y="1891730"/>
             <a:ext cx="1811265" cy="461665"/>
           </a:xfrm>
           <a:prstGeom prst="rect">
@@ -8147,7 +8143,7 @@
         </p:nvSpPr>
         <p:spPr>
           <a:xfrm>
-            <a:off x="6637597" y="1010734"/>
+            <a:off x="6967620" y="1850625"/>
             <a:ext cx="925253" cy="338554"/>
           </a:xfrm>
           <a:prstGeom prst="rect">
@@ -9884,6 +9880,45 @@
             <a:r>
               <a:rPr lang="en-US" sz="1050" dirty="0"/>
               <a:t>Reset</a:t>
+            </a:r>
+          </a:p>
+        </p:txBody>
+      </p:sp>
+      <p:sp>
+        <p:nvSpPr>
+          <p:cNvPr id="2" name="Retângulo 1">
+            <a:extLst>
+              <a:ext uri="{FF2B5EF4-FFF2-40B4-BE49-F238E27FC236}">
+                <a16:creationId xmlns:a16="http://schemas.microsoft.com/office/drawing/2014/main" id="{9CDC788F-BBB8-49FA-85C1-75A20B9C61F5}"/>
+              </a:ext>
+            </a:extLst>
+          </p:cNvPr>
+          <p:cNvSpPr/>
+          <p:nvPr/>
+        </p:nvSpPr>
+        <p:spPr>
+          <a:xfrm>
+            <a:off x="1431510" y="223916"/>
+            <a:ext cx="1592487" cy="369332"/>
+          </a:xfrm>
+          <a:prstGeom prst="rect">
+            <a:avLst/>
+          </a:prstGeom>
+        </p:spPr>
+        <p:txBody>
+          <a:bodyPr wrap="none">
+            <a:spAutoFit/>
+          </a:bodyPr>
+          <a:lstStyle/>
+          <a:p>
+            <a:pPr algn="ctr"/>
+            <a:r>
+              <a:rPr lang="en-US" dirty="0">
+                <a:solidFill>
+                  <a:srgbClr val="FF0000"/>
+                </a:solidFill>
+              </a:rPr>
+              <a:t>Administração:</a:t>
             </a:r>
           </a:p>
         </p:txBody>
